--- a/source/lessons/lsn29-30/Lsn29-30.pptx
+++ b/source/lessons/lsn29-30/Lsn29-30.pptx
@@ -1700,7 +1700,7 @@
           <a:p>
             <a:fld id="{834513E8-165F-4932-9E2D-FD497CB9A4FD}" type="datetimeFigureOut">
               <a:rPr lang="en-US" smtClean="0"/>
-              <a:t>7/10/2018</a:t>
+              <a:t>8/8/2018</a:t>
             </a:fld>
             <a:endParaRPr lang="en-US"/>
           </a:p>
@@ -1795,7 +1795,7 @@
           <a:p>
             <a:fld id="{834513E8-165F-4932-9E2D-FD497CB9A4FD}" type="datetimeFigureOut">
               <a:rPr lang="en-US" smtClean="0"/>
-              <a:t>7/10/2018</a:t>
+              <a:t>8/8/2018</a:t>
             </a:fld>
             <a:endParaRPr lang="en-US"/>
           </a:p>
@@ -2072,7 +2072,7 @@
           <a:p>
             <a:fld id="{834513E8-165F-4932-9E2D-FD497CB9A4FD}" type="datetimeFigureOut">
               <a:rPr lang="en-US" smtClean="0"/>
-              <a:t>7/10/2018</a:t>
+              <a:t>8/8/2018</a:t>
             </a:fld>
             <a:endParaRPr lang="en-US"/>
           </a:p>
@@ -2325,7 +2325,7 @@
           <a:p>
             <a:fld id="{834513E8-165F-4932-9E2D-FD497CB9A4FD}" type="datetimeFigureOut">
               <a:rPr lang="en-US" smtClean="0"/>
-              <a:t>7/10/2018</a:t>
+              <a:t>8/8/2018</a:t>
             </a:fld>
             <a:endParaRPr lang="en-US"/>
           </a:p>
@@ -2495,7 +2495,7 @@
           <a:p>
             <a:fld id="{834513E8-165F-4932-9E2D-FD497CB9A4FD}" type="datetimeFigureOut">
               <a:rPr lang="en-US" smtClean="0"/>
-              <a:t>7/10/2018</a:t>
+              <a:t>8/8/2018</a:t>
             </a:fld>
             <a:endParaRPr lang="en-US"/>
           </a:p>
@@ -2675,7 +2675,7 @@
           <a:p>
             <a:fld id="{834513E8-165F-4932-9E2D-FD497CB9A4FD}" type="datetimeFigureOut">
               <a:rPr lang="en-US" smtClean="0"/>
-              <a:t>7/10/2018</a:t>
+              <a:t>8/8/2018</a:t>
             </a:fld>
             <a:endParaRPr lang="en-US"/>
           </a:p>
@@ -3518,7 +3518,7 @@
           <a:p>
             <a:fld id="{834513E8-165F-4932-9E2D-FD497CB9A4FD}" type="datetimeFigureOut">
               <a:rPr lang="en-US" smtClean="0"/>
-              <a:t>7/10/2018</a:t>
+              <a:t>8/8/2018</a:t>
             </a:fld>
             <a:endParaRPr lang="en-US"/>
           </a:p>
@@ -3688,7 +3688,7 @@
           <a:p>
             <a:fld id="{834513E8-165F-4932-9E2D-FD497CB9A4FD}" type="datetimeFigureOut">
               <a:rPr lang="en-US" smtClean="0"/>
-              <a:t>7/10/2018</a:t>
+              <a:t>8/8/2018</a:t>
             </a:fld>
             <a:endParaRPr lang="en-US"/>
           </a:p>
@@ -3934,7 +3934,7 @@
           <a:p>
             <a:fld id="{834513E8-165F-4932-9E2D-FD497CB9A4FD}" type="datetimeFigureOut">
               <a:rPr lang="en-US" smtClean="0"/>
-              <a:t>7/10/2018</a:t>
+              <a:t>8/8/2018</a:t>
             </a:fld>
             <a:endParaRPr lang="en-US"/>
           </a:p>
@@ -4166,7 +4166,7 @@
           <a:p>
             <a:fld id="{834513E8-165F-4932-9E2D-FD497CB9A4FD}" type="datetimeFigureOut">
               <a:rPr lang="en-US" smtClean="0"/>
-              <a:t>7/10/2018</a:t>
+              <a:t>8/8/2018</a:t>
             </a:fld>
             <a:endParaRPr lang="en-US"/>
           </a:p>
@@ -4533,7 +4533,7 @@
           <a:p>
             <a:fld id="{834513E8-165F-4932-9E2D-FD497CB9A4FD}" type="datetimeFigureOut">
               <a:rPr lang="en-US" smtClean="0"/>
-              <a:t>7/10/2018</a:t>
+              <a:t>8/8/2018</a:t>
             </a:fld>
             <a:endParaRPr lang="en-US"/>
           </a:p>
@@ -6350,7 +6350,7 @@
           <a:p>
             <a:fld id="{834513E8-165F-4932-9E2D-FD497CB9A4FD}" type="datetimeFigureOut">
               <a:rPr lang="en-US" smtClean="0"/>
-              <a:t>7/10/2018</a:t>
+              <a:t>8/8/2018</a:t>
             </a:fld>
             <a:endParaRPr lang="en-US"/>
           </a:p>
@@ -11485,7 +11485,7 @@
         </p:blipFill>
         <p:spPr bwMode="auto">
           <a:xfrm>
-            <a:off x="1479660" y="4198358"/>
+            <a:off x="1479660" y="4206241"/>
             <a:ext cx="6134068" cy="1553655"/>
           </a:xfrm>
           <a:prstGeom prst="rect">
@@ -12602,7 +12602,6 @@
               <a:rPr lang="en-US" sz="1800" dirty="0" smtClean="0"/>
               <a:t> are input/output ports that can be used to capture external signal events and generate signals for external devices</a:t>
             </a:r>
-            <a:endParaRPr lang="en-US" sz="1800" dirty="0" smtClean="0"/>
           </a:p>
         </p:txBody>
       </p:sp>
@@ -18959,18 +18958,7 @@
                 <a:ea typeface="Times New Roman"/>
                 <a:cs typeface="Times New Roman"/>
               </a:rPr>
-              <a:t>ID_2</a:t>
-            </a:r>
-            <a:r>
-              <a:rPr lang="en-US" sz="2400" dirty="0" smtClean="0">
-                <a:solidFill>
-                  <a:schemeClr val="accent2"/>
-                </a:solidFill>
-                <a:latin typeface="Helvetica"/>
-                <a:ea typeface="Times New Roman"/>
-                <a:cs typeface="Times New Roman"/>
-              </a:rPr>
-              <a:t>.</a:t>
+              <a:t>ID_2.</a:t>
             </a:r>
             <a:endParaRPr lang="en-US" sz="1600" dirty="0" smtClean="0">
               <a:solidFill>
@@ -20890,27 +20878,8 @@
                 <a:ea typeface="Times New Roman"/>
                 <a:cs typeface="Times New Roman"/>
               </a:rPr>
-              <a:t>ID_3</a:t>
-            </a:r>
-            <a:r>
-              <a:rPr lang="en-US" sz="2400" dirty="0" smtClean="0">
-                <a:solidFill>
-                  <a:schemeClr val="accent2"/>
-                </a:solidFill>
-                <a:latin typeface="Helvetica"/>
-                <a:ea typeface="Times New Roman"/>
-                <a:cs typeface="Times New Roman"/>
-              </a:rPr>
-              <a:t>.</a:t>
-            </a:r>
-            <a:endParaRPr lang="en-US" sz="2400" dirty="0" smtClean="0">
-              <a:solidFill>
-                <a:schemeClr val="accent2"/>
-              </a:solidFill>
-              <a:latin typeface="Helvetica"/>
-              <a:ea typeface="Times New Roman"/>
-              <a:cs typeface="Times New Roman"/>
-            </a:endParaRPr>
+              <a:t>ID_3.</a:t>
+            </a:r>
           </a:p>
         </p:txBody>
       </p:sp>
@@ -21397,18 +21366,7 @@
                 <a:ea typeface="Times New Roman"/>
                 <a:cs typeface="Times New Roman"/>
               </a:rPr>
-              <a:t>ID_3</a:t>
-            </a:r>
-            <a:r>
-              <a:rPr lang="en-US" sz="2400" dirty="0" smtClean="0">
-                <a:solidFill>
-                  <a:schemeClr val="accent2"/>
-                </a:solidFill>
-                <a:latin typeface="Helvetica"/>
-                <a:ea typeface="Times New Roman"/>
-                <a:cs typeface="Times New Roman"/>
-              </a:rPr>
-              <a:t>.</a:t>
+              <a:t>ID_3.</a:t>
             </a:r>
             <a:endParaRPr lang="en-US" sz="1600" dirty="0" smtClean="0">
               <a:solidFill>
@@ -24337,19 +24295,11 @@
               </a:rPr>
               <a:t>?</a:t>
             </a:r>
-            <a:endParaRPr lang="en-US" sz="2400" dirty="0" smtClean="0">
-              <a:solidFill>
-                <a:schemeClr val="accent2"/>
-              </a:solidFill>
-              <a:latin typeface="Helvetica"/>
-              <a:ea typeface="Times New Roman"/>
-              <a:cs typeface="Times New Roman"/>
-            </a:endParaRPr>
           </a:p>
         </p:txBody>
       </p:sp>
-      <mc:AlternateContent xmlns:mc="http://schemas.openxmlformats.org/markup-compatibility/2006">
-        <mc:Choice xmlns:a14="http://schemas.microsoft.com/office/drawing/2010/main" Requires="a14">
+      <mc:AlternateContent xmlns:mc="http://schemas.openxmlformats.org/markup-compatibility/2006" xmlns:a14="http://schemas.microsoft.com/office/drawing/2010/main">
+        <mc:Choice Requires="a14">
           <p:graphicFrame>
             <p:nvGraphicFramePr>
               <p:cNvPr id="4" name="Table 3"/>
@@ -25704,7 +25654,7 @@
             </a:graphic>
           </p:graphicFrame>
         </mc:Choice>
-        <mc:Fallback>
+        <mc:Fallback xmlns="">
           <p:graphicFrame>
             <p:nvGraphicFramePr>
               <p:cNvPr id="4" name="Table 3"/>
@@ -26685,8 +26635,8 @@
           </a:p>
         </p:txBody>
       </p:sp>
-      <mc:AlternateContent xmlns:mc="http://schemas.openxmlformats.org/markup-compatibility/2006">
-        <mc:Choice xmlns:a14="http://schemas.microsoft.com/office/drawing/2010/main" Requires="a14">
+      <mc:AlternateContent xmlns:mc="http://schemas.openxmlformats.org/markup-compatibility/2006" xmlns:a14="http://schemas.microsoft.com/office/drawing/2010/main">
+        <mc:Choice Requires="a14">
           <p:sp>
             <p:nvSpPr>
               <p:cNvPr id="3" name="Content Placeholder 2"/>
@@ -27110,7 +27060,7 @@
             </p:txBody>
           </p:sp>
         </mc:Choice>
-        <mc:Fallback>
+        <mc:Fallback xmlns="">
           <p:sp>
             <p:nvSpPr>
               <p:cNvPr id="3" name="Content Placeholder 2"/>
@@ -27927,8 +27877,8 @@
           </a:p>
         </p:txBody>
       </p:sp>
-      <mc:AlternateContent xmlns:mc="http://schemas.openxmlformats.org/markup-compatibility/2006">
-        <mc:Choice xmlns:a14="http://schemas.microsoft.com/office/drawing/2010/main" Requires="a14">
+      <mc:AlternateContent xmlns:mc="http://schemas.openxmlformats.org/markup-compatibility/2006" xmlns:a14="http://schemas.microsoft.com/office/drawing/2010/main">
+        <mc:Choice Requires="a14">
           <p:sp>
             <p:nvSpPr>
               <p:cNvPr id="3" name="Content Placeholder 2"/>
@@ -28940,7 +28890,7 @@
             </p:txBody>
           </p:sp>
         </mc:Choice>
-        <mc:Fallback>
+        <mc:Fallback xmlns="">
           <p:sp>
             <p:nvSpPr>
               <p:cNvPr id="3" name="Content Placeholder 2"/>

--- a/source/lessons/lsn29-30/Lsn29-30.pptx
+++ b/source/lessons/lsn29-30/Lsn29-30.pptx
@@ -7,10 +7,10 @@
     <p:sldMasterId id="2147483667" r:id="rId3"/>
   </p:sldMasterIdLst>
   <p:notesMasterIdLst>
-    <p:notesMasterId r:id="rId48"/>
+    <p:notesMasterId r:id="rId53"/>
   </p:notesMasterIdLst>
   <p:handoutMasterIdLst>
-    <p:handoutMasterId r:id="rId49"/>
+    <p:handoutMasterId r:id="rId54"/>
   </p:handoutMasterIdLst>
   <p:sldIdLst>
     <p:sldId id="352" r:id="rId4"/>
@@ -52,11 +52,16 @@
     <p:sldId id="393" r:id="rId40"/>
     <p:sldId id="394" r:id="rId41"/>
     <p:sldId id="395" r:id="rId42"/>
-    <p:sldId id="353" r:id="rId43"/>
-    <p:sldId id="355" r:id="rId44"/>
-    <p:sldId id="356" r:id="rId45"/>
-    <p:sldId id="357" r:id="rId46"/>
-    <p:sldId id="358" r:id="rId47"/>
+    <p:sldId id="396" r:id="rId43"/>
+    <p:sldId id="397" r:id="rId44"/>
+    <p:sldId id="398" r:id="rId45"/>
+    <p:sldId id="399" r:id="rId46"/>
+    <p:sldId id="400" r:id="rId47"/>
+    <p:sldId id="353" r:id="rId48"/>
+    <p:sldId id="355" r:id="rId49"/>
+    <p:sldId id="356" r:id="rId50"/>
+    <p:sldId id="357" r:id="rId51"/>
+    <p:sldId id="358" r:id="rId52"/>
   </p:sldIdLst>
   <p:sldSz cx="9144000" cy="6858000" type="screen4x3"/>
   <p:notesSz cx="7010400" cy="9296400"/>
@@ -1700,7 +1705,7 @@
           <a:p>
             <a:fld id="{834513E8-165F-4932-9E2D-FD497CB9A4FD}" type="datetimeFigureOut">
               <a:rPr lang="en-US" smtClean="0"/>
-              <a:t>8/8/2018</a:t>
+              <a:t>8/16/2018</a:t>
             </a:fld>
             <a:endParaRPr lang="en-US"/>
           </a:p>
@@ -1795,7 +1800,7 @@
           <a:p>
             <a:fld id="{834513E8-165F-4932-9E2D-FD497CB9A4FD}" type="datetimeFigureOut">
               <a:rPr lang="en-US" smtClean="0"/>
-              <a:t>8/8/2018</a:t>
+              <a:t>8/16/2018</a:t>
             </a:fld>
             <a:endParaRPr lang="en-US"/>
           </a:p>
@@ -2072,7 +2077,7 @@
           <a:p>
             <a:fld id="{834513E8-165F-4932-9E2D-FD497CB9A4FD}" type="datetimeFigureOut">
               <a:rPr lang="en-US" smtClean="0"/>
-              <a:t>8/8/2018</a:t>
+              <a:t>8/16/2018</a:t>
             </a:fld>
             <a:endParaRPr lang="en-US"/>
           </a:p>
@@ -2325,7 +2330,7 @@
           <a:p>
             <a:fld id="{834513E8-165F-4932-9E2D-FD497CB9A4FD}" type="datetimeFigureOut">
               <a:rPr lang="en-US" smtClean="0"/>
-              <a:t>8/8/2018</a:t>
+              <a:t>8/16/2018</a:t>
             </a:fld>
             <a:endParaRPr lang="en-US"/>
           </a:p>
@@ -2495,7 +2500,7 @@
           <a:p>
             <a:fld id="{834513E8-165F-4932-9E2D-FD497CB9A4FD}" type="datetimeFigureOut">
               <a:rPr lang="en-US" smtClean="0"/>
-              <a:t>8/8/2018</a:t>
+              <a:t>8/16/2018</a:t>
             </a:fld>
             <a:endParaRPr lang="en-US"/>
           </a:p>
@@ -2675,7 +2680,7 @@
           <a:p>
             <a:fld id="{834513E8-165F-4932-9E2D-FD497CB9A4FD}" type="datetimeFigureOut">
               <a:rPr lang="en-US" smtClean="0"/>
-              <a:t>8/8/2018</a:t>
+              <a:t>8/16/2018</a:t>
             </a:fld>
             <a:endParaRPr lang="en-US"/>
           </a:p>
@@ -3518,7 +3523,7 @@
           <a:p>
             <a:fld id="{834513E8-165F-4932-9E2D-FD497CB9A4FD}" type="datetimeFigureOut">
               <a:rPr lang="en-US" smtClean="0"/>
-              <a:t>8/8/2018</a:t>
+              <a:t>8/16/2018</a:t>
             </a:fld>
             <a:endParaRPr lang="en-US"/>
           </a:p>
@@ -3688,7 +3693,7 @@
           <a:p>
             <a:fld id="{834513E8-165F-4932-9E2D-FD497CB9A4FD}" type="datetimeFigureOut">
               <a:rPr lang="en-US" smtClean="0"/>
-              <a:t>8/8/2018</a:t>
+              <a:t>8/16/2018</a:t>
             </a:fld>
             <a:endParaRPr lang="en-US"/>
           </a:p>
@@ -3934,7 +3939,7 @@
           <a:p>
             <a:fld id="{834513E8-165F-4932-9E2D-FD497CB9A4FD}" type="datetimeFigureOut">
               <a:rPr lang="en-US" smtClean="0"/>
-              <a:t>8/8/2018</a:t>
+              <a:t>8/16/2018</a:t>
             </a:fld>
             <a:endParaRPr lang="en-US"/>
           </a:p>
@@ -4166,7 +4171,7 @@
           <a:p>
             <a:fld id="{834513E8-165F-4932-9E2D-FD497CB9A4FD}" type="datetimeFigureOut">
               <a:rPr lang="en-US" smtClean="0"/>
-              <a:t>8/8/2018</a:t>
+              <a:t>8/16/2018</a:t>
             </a:fld>
             <a:endParaRPr lang="en-US"/>
           </a:p>
@@ -4533,7 +4538,7 @@
           <a:p>
             <a:fld id="{834513E8-165F-4932-9E2D-FD497CB9A4FD}" type="datetimeFigureOut">
               <a:rPr lang="en-US" smtClean="0"/>
-              <a:t>8/8/2018</a:t>
+              <a:t>8/16/2018</a:t>
             </a:fld>
             <a:endParaRPr lang="en-US"/>
           </a:p>
@@ -6350,7 +6355,7 @@
           <a:p>
             <a:fld id="{834513E8-165F-4932-9E2D-FD497CB9A4FD}" type="datetimeFigureOut">
               <a:rPr lang="en-US" smtClean="0"/>
-              <a:t>8/8/2018</a:t>
+              <a:t>8/16/2018</a:t>
             </a:fld>
             <a:endParaRPr lang="en-US"/>
           </a:p>
@@ -29211,26 +29216,7 @@
       </p:grpSpPr>
       <p:sp>
         <p:nvSpPr>
-          <p:cNvPr id="5" name="Subtitle 4"/>
-          <p:cNvSpPr>
-            <a:spLocks noGrp="1"/>
-          </p:cNvSpPr>
-          <p:nvPr>
-            <p:ph type="subTitle" idx="1"/>
-          </p:nvPr>
-        </p:nvSpPr>
-        <p:spPr/>
-        <p:txBody>
-          <a:bodyPr/>
-          <a:lstStyle/>
-          <a:p>
-            <a:endParaRPr lang="en-US" dirty="0"/>
-          </a:p>
-        </p:txBody>
-      </p:sp>
-      <p:sp>
-        <p:nvSpPr>
-          <p:cNvPr id="4" name="Title 3"/>
+          <p:cNvPr id="2" name="Title 1"/>
           <p:cNvSpPr>
             <a:spLocks noGrp="1"/>
           </p:cNvSpPr>
@@ -29245,23 +29231,125 @@
           <a:p>
             <a:r>
               <a:rPr lang="en-US" dirty="0" smtClean="0"/>
-              <a:t>BACKUPS</a:t>
+              <a:t>In-Class Programming Exercise </a:t>
             </a:r>
             <a:endParaRPr lang="en-US" dirty="0"/>
+          </a:p>
+        </p:txBody>
+      </p:sp>
+      <p:sp>
+        <p:nvSpPr>
+          <p:cNvPr id="3" name="Content Placeholder 2"/>
+          <p:cNvSpPr>
+            <a:spLocks noGrp="1"/>
+          </p:cNvSpPr>
+          <p:nvPr>
+            <p:ph idx="1"/>
+          </p:nvPr>
+        </p:nvSpPr>
+        <p:spPr/>
+        <p:txBody>
+          <a:bodyPr/>
+          <a:lstStyle/>
+          <a:p>
+            <a:r>
+              <a:rPr lang="en-US" sz="2400" dirty="0"/>
+              <a:t>Create a project around </a:t>
+            </a:r>
+            <a:r>
+              <a:rPr lang="en-US" sz="2400" dirty="0" err="1"/>
+              <a:t>interruptTones.c</a:t>
+            </a:r>
+            <a:r>
+              <a:rPr lang="en-US" sz="2400" dirty="0"/>
+              <a:t>.  This C program utilizes interrupts to Blink the Green LED (P1.0 using Timer A at 440Hz  Modify the program to do the following</a:t>
+            </a:r>
+            <a:r>
+              <a:rPr lang="en-US" sz="2400" dirty="0" smtClean="0"/>
+              <a:t>:</a:t>
+            </a:r>
+          </a:p>
+          <a:p>
+            <a:pPr lvl="1"/>
+            <a:r>
+              <a:rPr lang="en-US" sz="1800" dirty="0" smtClean="0"/>
+              <a:t>Put </a:t>
+            </a:r>
+            <a:r>
+              <a:rPr lang="en-US" sz="1800" dirty="0"/>
+              <a:t>a speaker or headphones on P1.6 to listen to the 440Hz 'A' Tone using the following schematic.</a:t>
+            </a:r>
+          </a:p>
+          <a:p>
+            <a:pPr lvl="1"/>
+            <a:r>
+              <a:rPr lang="en-US" sz="1800" dirty="0" smtClean="0"/>
+              <a:t>Implement </a:t>
+            </a:r>
+            <a:r>
+              <a:rPr lang="en-US" sz="1800" dirty="0"/>
+              <a:t>another interrupt from a button press (P1.3) to toggle the Red LED (P1.0) and then increment through each tone in the counts array.</a:t>
+            </a:r>
+          </a:p>
+          <a:p>
+            <a:pPr lvl="1"/>
+            <a:r>
+              <a:rPr lang="en-US" sz="1800" dirty="0" smtClean="0"/>
+              <a:t>Use </a:t>
+            </a:r>
+            <a:r>
+              <a:rPr lang="en-US" sz="1800" dirty="0"/>
+              <a:t>the button interrupt to increment through the counts array to be output the different tones on a speaker.</a:t>
+            </a:r>
+          </a:p>
+        </p:txBody>
+      </p:sp>
+      <p:sp>
+        <p:nvSpPr>
+          <p:cNvPr id="4" name="Rectangle 3"/>
+          <p:cNvSpPr/>
+          <p:nvPr/>
+        </p:nvSpPr>
+        <p:spPr>
+          <a:xfrm>
+            <a:off x="3141480" y="909935"/>
+            <a:ext cx="2861040" cy="461665"/>
+          </a:xfrm>
+          <a:prstGeom prst="rect">
+            <a:avLst/>
+          </a:prstGeom>
+        </p:spPr>
+        <p:txBody>
+          <a:bodyPr wrap="none">
+            <a:spAutoFit/>
+          </a:bodyPr>
+          <a:lstStyle/>
+          <a:p>
+            <a:r>
+              <a:rPr lang="en-US" dirty="0"/>
+              <a:t>(see </a:t>
+            </a:r>
+            <a:r>
+              <a:rPr lang="en-US" dirty="0" err="1"/>
+              <a:t>interruptTones.c</a:t>
+            </a:r>
+            <a:r>
+              <a:rPr lang="en-US" dirty="0"/>
+              <a:t>)</a:t>
+            </a:r>
           </a:p>
         </p:txBody>
       </p:sp>
     </p:spTree>
     <p:extLst>
       <p:ext uri="{BB962C8B-B14F-4D97-AF65-F5344CB8AC3E}">
-        <p14:creationId xmlns:p14="http://schemas.microsoft.com/office/powerpoint/2010/main" val="3003632033"/>
+        <p14:creationId xmlns:p14="http://schemas.microsoft.com/office/powerpoint/2010/main" val="1034815792"/>
       </p:ext>
     </p:extLst>
   </p:cSld>
   <p:clrMapOvr>
     <a:masterClrMapping/>
   </p:clrMapOvr>
-  <p:transition spd="med"/>
   <p:timing>
     <p:tnLst>
       <p:par>
@@ -29273,7 +29361,7 @@
 </file>
 
 <file path=ppt/slides/slide41.xml><?xml version="1.0" encoding="utf-8"?>
-<p:sld xmlns:a="http://schemas.openxmlformats.org/drawingml/2006/main" xmlns:r="http://schemas.openxmlformats.org/officeDocument/2006/relationships" xmlns:p="http://schemas.openxmlformats.org/presentationml/2006/main">
+<p:sld xmlns:a="http://schemas.openxmlformats.org/drawingml/2006/main" xmlns:r="http://schemas.openxmlformats.org/officeDocument/2006/relationships" xmlns:p="http://schemas.openxmlformats.org/presentationml/2006/main" show="0">
   <p:cSld>
     <p:spTree>
       <p:nvGrpSpPr>
@@ -29306,15 +29394,118 @@
           <a:p>
             <a:r>
               <a:rPr lang="en-US" dirty="0" smtClean="0"/>
-              <a:t>Mimic DC Values</a:t>
+              <a:t>In-Class Programming Exercise </a:t>
             </a:r>
             <a:endParaRPr lang="en-US" dirty="0"/>
+          </a:p>
+        </p:txBody>
+      </p:sp>
+      <p:sp>
+        <p:nvSpPr>
+          <p:cNvPr id="3" name="Content Placeholder 2"/>
+          <p:cNvSpPr>
+            <a:spLocks noGrp="1"/>
+          </p:cNvSpPr>
+          <p:nvPr>
+            <p:ph idx="1"/>
+          </p:nvPr>
+        </p:nvSpPr>
+        <p:spPr/>
+        <p:txBody>
+          <a:bodyPr/>
+          <a:lstStyle/>
+          <a:p>
+            <a:endParaRPr lang="en-US" sz="1800" dirty="0"/>
+          </a:p>
+        </p:txBody>
+      </p:sp>
+      <p:sp>
+        <p:nvSpPr>
+          <p:cNvPr id="4" name="Rectangle 3"/>
+          <p:cNvSpPr/>
+          <p:nvPr/>
+        </p:nvSpPr>
+        <p:spPr>
+          <a:xfrm>
+            <a:off x="3141480" y="659685"/>
+            <a:ext cx="2861040" cy="461665"/>
+          </a:xfrm>
+          <a:prstGeom prst="rect">
+            <a:avLst/>
+          </a:prstGeom>
+        </p:spPr>
+        <p:txBody>
+          <a:bodyPr wrap="none">
+            <a:spAutoFit/>
+          </a:bodyPr>
+          <a:lstStyle/>
+          <a:p>
+            <a:r>
+              <a:rPr lang="en-US" dirty="0"/>
+              <a:t>(see </a:t>
+            </a:r>
+            <a:r>
+              <a:rPr lang="en-US" dirty="0" err="1"/>
+              <a:t>interruptTones.c</a:t>
+            </a:r>
+            <a:r>
+              <a:rPr lang="en-US" dirty="0"/>
+              <a:t>)</a:t>
+            </a:r>
+          </a:p>
+        </p:txBody>
+      </p:sp>
+      <p:sp>
+        <p:nvSpPr>
+          <p:cNvPr id="7" name="Rectangle 6"/>
+          <p:cNvSpPr/>
+          <p:nvPr/>
+        </p:nvSpPr>
+        <p:spPr>
+          <a:xfrm>
+            <a:off x="0" y="6172174"/>
+            <a:ext cx="9144000" cy="707886"/>
+          </a:xfrm>
+          <a:prstGeom prst="rect">
+            <a:avLst/>
+          </a:prstGeom>
+        </p:spPr>
+        <p:txBody>
+          <a:bodyPr wrap="square">
+            <a:spAutoFit/>
+          </a:bodyPr>
+          <a:lstStyle/>
+          <a:p>
+            <a:pPr algn="ctr">
+              <a:spcBef>
+                <a:spcPts val="0"/>
+              </a:spcBef>
+            </a:pPr>
+            <a:r>
+              <a:rPr lang="en-US" sz="2000" dirty="0"/>
+              <a:t>Setup for the hooking up 3.5mm Audio Jack to the MSP430 Launchpad Board</a:t>
+            </a:r>
+          </a:p>
+          <a:p>
+            <a:pPr algn="ctr">
+              <a:spcBef>
+                <a:spcPts val="0"/>
+              </a:spcBef>
+            </a:pPr>
+            <a:r>
+              <a:rPr lang="en-US" sz="2000" dirty="0" smtClean="0"/>
+              <a:t>without </a:t>
+            </a:r>
+            <a:r>
+              <a:rPr lang="en-US" sz="2000" dirty="0"/>
+              <a:t>Volume Control</a:t>
+            </a:r>
           </a:p>
         </p:txBody>
       </p:sp>
       <p:pic>
         <p:nvPicPr>
-          <p:cNvPr id="1028" name="Picture 4" descr="Image result for pwm signal motor controller"/>
+          <p:cNvPr id="1026" name="Picture 2"/>
           <p:cNvPicPr>
             <a:picLocks noChangeAspect="1" noChangeArrowheads="1"/>
           </p:cNvPicPr>
@@ -29335,20 +29526,33 @@
         </p:blipFill>
         <p:spPr bwMode="auto">
           <a:xfrm>
-            <a:off x="917574" y="1011237"/>
-            <a:ext cx="7743825" cy="5095876"/>
+            <a:off x="354251" y="1385334"/>
+            <a:ext cx="8435498" cy="4769734"/>
           </a:xfrm>
           <a:prstGeom prst="rect">
             <a:avLst/>
           </a:prstGeom>
           <a:noFill/>
+          <a:ln>
+            <a:noFill/>
+          </a:ln>
           <a:extLst>
             <a:ext uri="{909E8E84-426E-40DD-AFC4-6F175D3DCCD1}">
               <a14:hiddenFill xmlns:a14="http://schemas.microsoft.com/office/drawing/2010/main">
                 <a:solidFill>
-                  <a:srgbClr val="FFFFFF"/>
+                  <a:schemeClr val="accent1"/>
                 </a:solidFill>
               </a14:hiddenFill>
+            </a:ext>
+            <a:ext uri="{91240B29-F687-4F45-9708-019B960494DF}">
+              <a14:hiddenLine xmlns:a14="http://schemas.microsoft.com/office/drawing/2010/main" w="9525">
+                <a:solidFill>
+                  <a:schemeClr val="tx1"/>
+                </a:solidFill>
+                <a:miter lim="800000"/>
+                <a:headEnd/>
+                <a:tailEnd/>
+              </a14:hiddenLine>
             </a:ext>
           </a:extLst>
         </p:spPr>
@@ -29356,13 +29560,21 @@
     </p:spTree>
     <p:extLst>
       <p:ext uri="{BB962C8B-B14F-4D97-AF65-F5344CB8AC3E}">
-        <p14:creationId xmlns:p14="http://schemas.microsoft.com/office/powerpoint/2010/main" val="2024326471"/>
+        <p14:creationId xmlns:p14="http://schemas.microsoft.com/office/powerpoint/2010/main" val="3104867619"/>
       </p:ext>
     </p:extLst>
   </p:cSld>
   <p:clrMapOvr>
     <a:masterClrMapping/>
   </p:clrMapOvr>
+  <mc:AlternateContent xmlns:mc="http://schemas.openxmlformats.org/markup-compatibility/2006" xmlns:p14="http://schemas.microsoft.com/office/powerpoint/2010/main">
+    <mc:Choice Requires="p14">
+      <p:transition spd="slow" p14:dur="2000"/>
+    </mc:Choice>
+    <mc:Fallback xmlns="">
+      <p:transition spd="slow"/>
+    </mc:Fallback>
+  </mc:AlternateContent>
   <p:timing>
     <p:tnLst>
       <p:par>
@@ -29374,7 +29586,7 @@
 </file>
 
 <file path=ppt/slides/slide42.xml><?xml version="1.0" encoding="utf-8"?>
-<p:sld xmlns:a="http://schemas.openxmlformats.org/drawingml/2006/main" xmlns:r="http://schemas.openxmlformats.org/officeDocument/2006/relationships" xmlns:p="http://schemas.openxmlformats.org/presentationml/2006/main">
+<p:sld xmlns:a="http://schemas.openxmlformats.org/drawingml/2006/main" xmlns:r="http://schemas.openxmlformats.org/officeDocument/2006/relationships" xmlns:p="http://schemas.openxmlformats.org/presentationml/2006/main" show="0">
   <p:cSld>
     <p:spTree>
       <p:nvGrpSpPr>
@@ -29407,15 +29619,118 @@
           <a:p>
             <a:r>
               <a:rPr lang="en-US" dirty="0" smtClean="0"/>
-              <a:t>Servos</a:t>
+              <a:t>In-Class Programming Exercise </a:t>
             </a:r>
             <a:endParaRPr lang="en-US" dirty="0"/>
+          </a:p>
+        </p:txBody>
+      </p:sp>
+      <p:sp>
+        <p:nvSpPr>
+          <p:cNvPr id="3" name="Content Placeholder 2"/>
+          <p:cNvSpPr>
+            <a:spLocks noGrp="1"/>
+          </p:cNvSpPr>
+          <p:nvPr>
+            <p:ph idx="1"/>
+          </p:nvPr>
+        </p:nvSpPr>
+        <p:spPr/>
+        <p:txBody>
+          <a:bodyPr/>
+          <a:lstStyle/>
+          <a:p>
+            <a:endParaRPr lang="en-US" sz="1800" dirty="0"/>
+          </a:p>
+        </p:txBody>
+      </p:sp>
+      <p:sp>
+        <p:nvSpPr>
+          <p:cNvPr id="4" name="Rectangle 3"/>
+          <p:cNvSpPr/>
+          <p:nvPr/>
+        </p:nvSpPr>
+        <p:spPr>
+          <a:xfrm>
+            <a:off x="3141480" y="659685"/>
+            <a:ext cx="2861040" cy="461665"/>
+          </a:xfrm>
+          <a:prstGeom prst="rect">
+            <a:avLst/>
+          </a:prstGeom>
+        </p:spPr>
+        <p:txBody>
+          <a:bodyPr wrap="none">
+            <a:spAutoFit/>
+          </a:bodyPr>
+          <a:lstStyle/>
+          <a:p>
+            <a:r>
+              <a:rPr lang="en-US" dirty="0"/>
+              <a:t>(see </a:t>
+            </a:r>
+            <a:r>
+              <a:rPr lang="en-US" dirty="0" err="1"/>
+              <a:t>interruptTones.c</a:t>
+            </a:r>
+            <a:r>
+              <a:rPr lang="en-US" dirty="0"/>
+              <a:t>)</a:t>
+            </a:r>
+          </a:p>
+        </p:txBody>
+      </p:sp>
+      <p:sp>
+        <p:nvSpPr>
+          <p:cNvPr id="7" name="Rectangle 6"/>
+          <p:cNvSpPr/>
+          <p:nvPr/>
+        </p:nvSpPr>
+        <p:spPr>
+          <a:xfrm>
+            <a:off x="0" y="6172174"/>
+            <a:ext cx="9144000" cy="707886"/>
+          </a:xfrm>
+          <a:prstGeom prst="rect">
+            <a:avLst/>
+          </a:prstGeom>
+        </p:spPr>
+        <p:txBody>
+          <a:bodyPr wrap="square">
+            <a:spAutoFit/>
+          </a:bodyPr>
+          <a:lstStyle/>
+          <a:p>
+            <a:pPr algn="ctr">
+              <a:spcBef>
+                <a:spcPts val="0"/>
+              </a:spcBef>
+            </a:pPr>
+            <a:r>
+              <a:rPr lang="en-US" sz="2000" dirty="0"/>
+              <a:t>Setup for the hooking up 3.5mm Audio Jack to the MSP430 Launchpad Board</a:t>
+            </a:r>
+          </a:p>
+          <a:p>
+            <a:pPr algn="ctr">
+              <a:spcBef>
+                <a:spcPts val="0"/>
+              </a:spcBef>
+            </a:pPr>
+            <a:r>
+              <a:rPr lang="en-US" sz="2000" dirty="0" smtClean="0"/>
+              <a:t>without </a:t>
+            </a:r>
+            <a:r>
+              <a:rPr lang="en-US" sz="2000" dirty="0"/>
+              <a:t>Volume Control</a:t>
+            </a:r>
           </a:p>
         </p:txBody>
       </p:sp>
       <p:pic>
         <p:nvPicPr>
-          <p:cNvPr id="2050" name="Picture 2" descr="Image result for pwm signal motor controller"/>
+          <p:cNvPr id="3074" name="Picture 2"/>
           <p:cNvPicPr>
             <a:picLocks noChangeAspect="1" noChangeArrowheads="1"/>
           </p:cNvPicPr>
@@ -29436,20 +29751,33 @@
         </p:blipFill>
         <p:spPr bwMode="auto">
           <a:xfrm>
-            <a:off x="1470025" y="1600200"/>
-            <a:ext cx="6076950" cy="4457700"/>
+            <a:off x="609600" y="1450223"/>
+            <a:ext cx="7924800" cy="4667250"/>
           </a:xfrm>
           <a:prstGeom prst="rect">
             <a:avLst/>
           </a:prstGeom>
           <a:noFill/>
+          <a:ln>
+            <a:noFill/>
+          </a:ln>
           <a:extLst>
             <a:ext uri="{909E8E84-426E-40DD-AFC4-6F175D3DCCD1}">
               <a14:hiddenFill xmlns:a14="http://schemas.microsoft.com/office/drawing/2010/main">
                 <a:solidFill>
-                  <a:srgbClr val="FFFFFF"/>
+                  <a:schemeClr val="accent1"/>
                 </a:solidFill>
               </a14:hiddenFill>
+            </a:ext>
+            <a:ext uri="{91240B29-F687-4F45-9708-019B960494DF}">
+              <a14:hiddenLine xmlns:a14="http://schemas.microsoft.com/office/drawing/2010/main" w="9525">
+                <a:solidFill>
+                  <a:schemeClr val="tx1"/>
+                </a:solidFill>
+                <a:miter lim="800000"/>
+                <a:headEnd/>
+                <a:tailEnd/>
+              </a14:hiddenLine>
             </a:ext>
           </a:extLst>
         </p:spPr>
@@ -29457,13 +29785,21 @@
     </p:spTree>
     <p:extLst>
       <p:ext uri="{BB962C8B-B14F-4D97-AF65-F5344CB8AC3E}">
-        <p14:creationId xmlns:p14="http://schemas.microsoft.com/office/powerpoint/2010/main" val="1631319974"/>
+        <p14:creationId xmlns:p14="http://schemas.microsoft.com/office/powerpoint/2010/main" val="2149885382"/>
       </p:ext>
     </p:extLst>
   </p:cSld>
   <p:clrMapOvr>
     <a:masterClrMapping/>
   </p:clrMapOvr>
+  <mc:AlternateContent xmlns:mc="http://schemas.openxmlformats.org/markup-compatibility/2006" xmlns:p14="http://schemas.microsoft.com/office/powerpoint/2010/main">
+    <mc:Choice Requires="p14">
+      <p:transition spd="slow" p14:dur="2000"/>
+    </mc:Choice>
+    <mc:Fallback xmlns="">
+      <p:transition spd="slow"/>
+    </mc:Fallback>
+  </mc:AlternateContent>
   <p:timing>
     <p:tnLst>
       <p:par>
@@ -29508,6 +29844,724 @@
           <a:p>
             <a:r>
               <a:rPr lang="en-US" dirty="0" smtClean="0"/>
+              <a:t>In-Class Programming Exercise </a:t>
+            </a:r>
+            <a:endParaRPr lang="en-US" dirty="0"/>
+          </a:p>
+        </p:txBody>
+      </p:sp>
+      <p:sp>
+        <p:nvSpPr>
+          <p:cNvPr id="3" name="Content Placeholder 2"/>
+          <p:cNvSpPr>
+            <a:spLocks noGrp="1"/>
+          </p:cNvSpPr>
+          <p:nvPr>
+            <p:ph idx="1"/>
+          </p:nvPr>
+        </p:nvSpPr>
+        <p:spPr/>
+        <p:txBody>
+          <a:bodyPr/>
+          <a:lstStyle/>
+          <a:p>
+            <a:endParaRPr lang="en-US" sz="1800" dirty="0"/>
+          </a:p>
+        </p:txBody>
+      </p:sp>
+      <p:sp>
+        <p:nvSpPr>
+          <p:cNvPr id="4" name="Rectangle 3"/>
+          <p:cNvSpPr/>
+          <p:nvPr/>
+        </p:nvSpPr>
+        <p:spPr>
+          <a:xfrm>
+            <a:off x="3141480" y="659685"/>
+            <a:ext cx="2861040" cy="461665"/>
+          </a:xfrm>
+          <a:prstGeom prst="rect">
+            <a:avLst/>
+          </a:prstGeom>
+        </p:spPr>
+        <p:txBody>
+          <a:bodyPr wrap="none">
+            <a:spAutoFit/>
+          </a:bodyPr>
+          <a:lstStyle/>
+          <a:p>
+            <a:r>
+              <a:rPr lang="en-US" dirty="0"/>
+              <a:t>(see </a:t>
+            </a:r>
+            <a:r>
+              <a:rPr lang="en-US" dirty="0" err="1"/>
+              <a:t>interruptTones.c</a:t>
+            </a:r>
+            <a:r>
+              <a:rPr lang="en-US" dirty="0"/>
+              <a:t>)</a:t>
+            </a:r>
+          </a:p>
+        </p:txBody>
+      </p:sp>
+      <p:sp>
+        <p:nvSpPr>
+          <p:cNvPr id="7" name="Rectangle 6"/>
+          <p:cNvSpPr/>
+          <p:nvPr/>
+        </p:nvSpPr>
+        <p:spPr>
+          <a:xfrm>
+            <a:off x="0" y="6172174"/>
+            <a:ext cx="9144000" cy="707886"/>
+          </a:xfrm>
+          <a:prstGeom prst="rect">
+            <a:avLst/>
+          </a:prstGeom>
+        </p:spPr>
+        <p:txBody>
+          <a:bodyPr wrap="square">
+            <a:spAutoFit/>
+          </a:bodyPr>
+          <a:lstStyle/>
+          <a:p>
+            <a:pPr algn="ctr">
+              <a:spcBef>
+                <a:spcPts val="0"/>
+              </a:spcBef>
+            </a:pPr>
+            <a:r>
+              <a:rPr lang="en-US" sz="2000" dirty="0"/>
+              <a:t>Setup for the hooking up 3.5mm Audio Jack to the MSP430 Launchpad </a:t>
+            </a:r>
+            <a:r>
+              <a:rPr lang="en-US" sz="2000" dirty="0" smtClean="0"/>
+              <a:t>Board</a:t>
+            </a:r>
+          </a:p>
+          <a:p>
+            <a:pPr algn="ctr">
+              <a:spcBef>
+                <a:spcPts val="0"/>
+              </a:spcBef>
+            </a:pPr>
+            <a:r>
+              <a:rPr lang="en-US" sz="2000" dirty="0" smtClean="0"/>
+              <a:t>with Volume Control</a:t>
+            </a:r>
+            <a:endParaRPr lang="en-US" sz="2000" dirty="0"/>
+          </a:p>
+        </p:txBody>
+      </p:sp>
+      <p:pic>
+        <p:nvPicPr>
+          <p:cNvPr id="8" name="Picture 2"/>
+          <p:cNvPicPr>
+            <a:picLocks noChangeAspect="1" noChangeArrowheads="1"/>
+          </p:cNvPicPr>
+          <p:nvPr/>
+        </p:nvPicPr>
+        <p:blipFill>
+          <a:blip r:embed="rId2">
+            <a:extLst>
+              <a:ext uri="{28A0092B-C50C-407E-A947-70E740481C1C}">
+                <a14:useLocalDpi xmlns:a14="http://schemas.microsoft.com/office/drawing/2010/main" val="0"/>
+              </a:ext>
+            </a:extLst>
+          </a:blip>
+          <a:srcRect/>
+          <a:stretch>
+            <a:fillRect/>
+          </a:stretch>
+        </p:blipFill>
+        <p:spPr bwMode="auto">
+          <a:xfrm>
+            <a:off x="354251" y="1377857"/>
+            <a:ext cx="8435498" cy="4757392"/>
+          </a:xfrm>
+          <a:prstGeom prst="rect">
+            <a:avLst/>
+          </a:prstGeom>
+          <a:noFill/>
+          <a:ln>
+            <a:noFill/>
+          </a:ln>
+          <a:extLst>
+            <a:ext uri="{909E8E84-426E-40DD-AFC4-6F175D3DCCD1}">
+              <a14:hiddenFill xmlns:a14="http://schemas.microsoft.com/office/drawing/2010/main">
+                <a:solidFill>
+                  <a:schemeClr val="accent1"/>
+                </a:solidFill>
+              </a14:hiddenFill>
+            </a:ext>
+            <a:ext uri="{91240B29-F687-4F45-9708-019B960494DF}">
+              <a14:hiddenLine xmlns:a14="http://schemas.microsoft.com/office/drawing/2010/main" w="9525">
+                <a:solidFill>
+                  <a:schemeClr val="tx1"/>
+                </a:solidFill>
+                <a:miter lim="800000"/>
+                <a:headEnd/>
+                <a:tailEnd/>
+              </a14:hiddenLine>
+            </a:ext>
+          </a:extLst>
+        </p:spPr>
+      </p:pic>
+    </p:spTree>
+    <p:extLst>
+      <p:ext uri="{BB962C8B-B14F-4D97-AF65-F5344CB8AC3E}">
+        <p14:creationId xmlns:p14="http://schemas.microsoft.com/office/powerpoint/2010/main" val="271665016"/>
+      </p:ext>
+    </p:extLst>
+  </p:cSld>
+  <p:clrMapOvr>
+    <a:masterClrMapping/>
+  </p:clrMapOvr>
+  <p:timing>
+    <p:tnLst>
+      <p:par>
+        <p:cTn id="1" dur="indefinite" restart="never" nodeType="tmRoot"/>
+      </p:par>
+    </p:tnLst>
+  </p:timing>
+</p:sld>
+</file>
+
+<file path=ppt/slides/slide44.xml><?xml version="1.0" encoding="utf-8"?>
+<p:sld xmlns:a="http://schemas.openxmlformats.org/drawingml/2006/main" xmlns:r="http://schemas.openxmlformats.org/officeDocument/2006/relationships" xmlns:p="http://schemas.openxmlformats.org/presentationml/2006/main">
+  <p:cSld>
+    <p:spTree>
+      <p:nvGrpSpPr>
+        <p:cNvPr id="1" name=""/>
+        <p:cNvGrpSpPr/>
+        <p:nvPr/>
+      </p:nvGrpSpPr>
+      <p:grpSpPr>
+        <a:xfrm>
+          <a:off x="0" y="0"/>
+          <a:ext cx="0" cy="0"/>
+          <a:chOff x="0" y="0"/>
+          <a:chExt cx="0" cy="0"/>
+        </a:xfrm>
+      </p:grpSpPr>
+      <p:sp>
+        <p:nvSpPr>
+          <p:cNvPr id="2" name="Title 1"/>
+          <p:cNvSpPr>
+            <a:spLocks noGrp="1"/>
+          </p:cNvSpPr>
+          <p:nvPr>
+            <p:ph type="title"/>
+          </p:nvPr>
+        </p:nvSpPr>
+        <p:spPr/>
+        <p:txBody>
+          <a:bodyPr/>
+          <a:lstStyle/>
+          <a:p>
+            <a:r>
+              <a:rPr lang="en-US" dirty="0" smtClean="0"/>
+              <a:t>In-Class Programming Exercise </a:t>
+            </a:r>
+            <a:endParaRPr lang="en-US" dirty="0"/>
+          </a:p>
+        </p:txBody>
+      </p:sp>
+      <p:sp>
+        <p:nvSpPr>
+          <p:cNvPr id="3" name="Content Placeholder 2"/>
+          <p:cNvSpPr>
+            <a:spLocks noGrp="1"/>
+          </p:cNvSpPr>
+          <p:nvPr>
+            <p:ph idx="1"/>
+          </p:nvPr>
+        </p:nvSpPr>
+        <p:spPr/>
+        <p:txBody>
+          <a:bodyPr/>
+          <a:lstStyle/>
+          <a:p>
+            <a:endParaRPr lang="en-US" sz="1800" dirty="0"/>
+          </a:p>
+        </p:txBody>
+      </p:sp>
+      <p:sp>
+        <p:nvSpPr>
+          <p:cNvPr id="4" name="Rectangle 3"/>
+          <p:cNvSpPr/>
+          <p:nvPr/>
+        </p:nvSpPr>
+        <p:spPr>
+          <a:xfrm>
+            <a:off x="3141480" y="659685"/>
+            <a:ext cx="2861040" cy="461665"/>
+          </a:xfrm>
+          <a:prstGeom prst="rect">
+            <a:avLst/>
+          </a:prstGeom>
+        </p:spPr>
+        <p:txBody>
+          <a:bodyPr wrap="none">
+            <a:spAutoFit/>
+          </a:bodyPr>
+          <a:lstStyle/>
+          <a:p>
+            <a:r>
+              <a:rPr lang="en-US" dirty="0"/>
+              <a:t>(see </a:t>
+            </a:r>
+            <a:r>
+              <a:rPr lang="en-US" dirty="0" err="1"/>
+              <a:t>interruptTones.c</a:t>
+            </a:r>
+            <a:r>
+              <a:rPr lang="en-US" dirty="0"/>
+              <a:t>)</a:t>
+            </a:r>
+          </a:p>
+        </p:txBody>
+      </p:sp>
+      <p:sp>
+        <p:nvSpPr>
+          <p:cNvPr id="7" name="Rectangle 6"/>
+          <p:cNvSpPr/>
+          <p:nvPr/>
+        </p:nvSpPr>
+        <p:spPr>
+          <a:xfrm>
+            <a:off x="0" y="6172174"/>
+            <a:ext cx="9144000" cy="707886"/>
+          </a:xfrm>
+          <a:prstGeom prst="rect">
+            <a:avLst/>
+          </a:prstGeom>
+        </p:spPr>
+        <p:txBody>
+          <a:bodyPr wrap="square">
+            <a:spAutoFit/>
+          </a:bodyPr>
+          <a:lstStyle/>
+          <a:p>
+            <a:pPr algn="ctr">
+              <a:spcBef>
+                <a:spcPts val="0"/>
+              </a:spcBef>
+            </a:pPr>
+            <a:r>
+              <a:rPr lang="en-US" sz="2000" dirty="0"/>
+              <a:t>Setup for the hooking up 3.5mm Audio Jack to the MSP430 Launchpad </a:t>
+            </a:r>
+            <a:r>
+              <a:rPr lang="en-US" sz="2000" dirty="0" smtClean="0"/>
+              <a:t>Board</a:t>
+            </a:r>
+          </a:p>
+          <a:p>
+            <a:pPr algn="ctr">
+              <a:spcBef>
+                <a:spcPts val="0"/>
+              </a:spcBef>
+            </a:pPr>
+            <a:r>
+              <a:rPr lang="en-US" sz="2000" dirty="0" smtClean="0"/>
+              <a:t>with Volume Control</a:t>
+            </a:r>
+            <a:endParaRPr lang="en-US" sz="2000" dirty="0"/>
+          </a:p>
+        </p:txBody>
+      </p:sp>
+      <p:pic>
+        <p:nvPicPr>
+          <p:cNvPr id="4098" name="Picture 2"/>
+          <p:cNvPicPr>
+            <a:picLocks noChangeAspect="1" noChangeArrowheads="1"/>
+          </p:cNvPicPr>
+          <p:nvPr/>
+        </p:nvPicPr>
+        <p:blipFill>
+          <a:blip r:embed="rId2">
+            <a:extLst>
+              <a:ext uri="{28A0092B-C50C-407E-A947-70E740481C1C}">
+                <a14:useLocalDpi xmlns:a14="http://schemas.microsoft.com/office/drawing/2010/main" val="0"/>
+              </a:ext>
+            </a:extLst>
+          </a:blip>
+          <a:srcRect/>
+          <a:stretch>
+            <a:fillRect/>
+          </a:stretch>
+        </p:blipFill>
+        <p:spPr bwMode="auto">
+          <a:xfrm>
+            <a:off x="407869" y="1660156"/>
+            <a:ext cx="8367642" cy="4274680"/>
+          </a:xfrm>
+          <a:prstGeom prst="rect">
+            <a:avLst/>
+          </a:prstGeom>
+          <a:noFill/>
+          <a:ln>
+            <a:noFill/>
+          </a:ln>
+          <a:extLst>
+            <a:ext uri="{909E8E84-426E-40DD-AFC4-6F175D3DCCD1}">
+              <a14:hiddenFill xmlns:a14="http://schemas.microsoft.com/office/drawing/2010/main">
+                <a:solidFill>
+                  <a:schemeClr val="accent1"/>
+                </a:solidFill>
+              </a14:hiddenFill>
+            </a:ext>
+            <a:ext uri="{91240B29-F687-4F45-9708-019B960494DF}">
+              <a14:hiddenLine xmlns:a14="http://schemas.microsoft.com/office/drawing/2010/main" w="9525">
+                <a:solidFill>
+                  <a:schemeClr val="tx1"/>
+                </a:solidFill>
+                <a:miter lim="800000"/>
+                <a:headEnd/>
+                <a:tailEnd/>
+              </a14:hiddenLine>
+            </a:ext>
+          </a:extLst>
+        </p:spPr>
+      </p:pic>
+    </p:spTree>
+    <p:extLst>
+      <p:ext uri="{BB962C8B-B14F-4D97-AF65-F5344CB8AC3E}">
+        <p14:creationId xmlns:p14="http://schemas.microsoft.com/office/powerpoint/2010/main" val="4167043525"/>
+      </p:ext>
+    </p:extLst>
+  </p:cSld>
+  <p:clrMapOvr>
+    <a:masterClrMapping/>
+  </p:clrMapOvr>
+  <p:timing>
+    <p:tnLst>
+      <p:par>
+        <p:cTn id="1" dur="indefinite" restart="never" nodeType="tmRoot"/>
+      </p:par>
+    </p:tnLst>
+  </p:timing>
+</p:sld>
+</file>
+
+<file path=ppt/slides/slide45.xml><?xml version="1.0" encoding="utf-8"?>
+<p:sld xmlns:a="http://schemas.openxmlformats.org/drawingml/2006/main" xmlns:r="http://schemas.openxmlformats.org/officeDocument/2006/relationships" xmlns:p="http://schemas.openxmlformats.org/presentationml/2006/main">
+  <p:cSld>
+    <p:spTree>
+      <p:nvGrpSpPr>
+        <p:cNvPr id="1" name=""/>
+        <p:cNvGrpSpPr/>
+        <p:nvPr/>
+      </p:nvGrpSpPr>
+      <p:grpSpPr>
+        <a:xfrm>
+          <a:off x="0" y="0"/>
+          <a:ext cx="0" cy="0"/>
+          <a:chOff x="0" y="0"/>
+          <a:chExt cx="0" cy="0"/>
+        </a:xfrm>
+      </p:grpSpPr>
+      <p:sp>
+        <p:nvSpPr>
+          <p:cNvPr id="5" name="Subtitle 4"/>
+          <p:cNvSpPr>
+            <a:spLocks noGrp="1"/>
+          </p:cNvSpPr>
+          <p:nvPr>
+            <p:ph type="subTitle" idx="1"/>
+          </p:nvPr>
+        </p:nvSpPr>
+        <p:spPr/>
+        <p:txBody>
+          <a:bodyPr/>
+          <a:lstStyle/>
+          <a:p>
+            <a:endParaRPr lang="en-US" dirty="0"/>
+          </a:p>
+        </p:txBody>
+      </p:sp>
+      <p:sp>
+        <p:nvSpPr>
+          <p:cNvPr id="4" name="Title 3"/>
+          <p:cNvSpPr>
+            <a:spLocks noGrp="1"/>
+          </p:cNvSpPr>
+          <p:nvPr>
+            <p:ph type="title"/>
+          </p:nvPr>
+        </p:nvSpPr>
+        <p:spPr/>
+        <p:txBody>
+          <a:bodyPr/>
+          <a:lstStyle/>
+          <a:p>
+            <a:r>
+              <a:rPr lang="en-US" dirty="0" smtClean="0"/>
+              <a:t>BACKUPS</a:t>
+            </a:r>
+            <a:endParaRPr lang="en-US" dirty="0"/>
+          </a:p>
+        </p:txBody>
+      </p:sp>
+    </p:spTree>
+    <p:extLst>
+      <p:ext uri="{BB962C8B-B14F-4D97-AF65-F5344CB8AC3E}">
+        <p14:creationId xmlns:p14="http://schemas.microsoft.com/office/powerpoint/2010/main" val="3003632033"/>
+      </p:ext>
+    </p:extLst>
+  </p:cSld>
+  <p:clrMapOvr>
+    <a:masterClrMapping/>
+  </p:clrMapOvr>
+  <p:transition spd="med"/>
+  <p:timing>
+    <p:tnLst>
+      <p:par>
+        <p:cTn id="1" dur="indefinite" restart="never" nodeType="tmRoot"/>
+      </p:par>
+    </p:tnLst>
+  </p:timing>
+</p:sld>
+</file>
+
+<file path=ppt/slides/slide46.xml><?xml version="1.0" encoding="utf-8"?>
+<p:sld xmlns:a="http://schemas.openxmlformats.org/drawingml/2006/main" xmlns:r="http://schemas.openxmlformats.org/officeDocument/2006/relationships" xmlns:p="http://schemas.openxmlformats.org/presentationml/2006/main">
+  <p:cSld>
+    <p:spTree>
+      <p:nvGrpSpPr>
+        <p:cNvPr id="1" name=""/>
+        <p:cNvGrpSpPr/>
+        <p:nvPr/>
+      </p:nvGrpSpPr>
+      <p:grpSpPr>
+        <a:xfrm>
+          <a:off x="0" y="0"/>
+          <a:ext cx="0" cy="0"/>
+          <a:chOff x="0" y="0"/>
+          <a:chExt cx="0" cy="0"/>
+        </a:xfrm>
+      </p:grpSpPr>
+      <p:sp>
+        <p:nvSpPr>
+          <p:cNvPr id="2" name="Title 1"/>
+          <p:cNvSpPr>
+            <a:spLocks noGrp="1"/>
+          </p:cNvSpPr>
+          <p:nvPr>
+            <p:ph type="title"/>
+          </p:nvPr>
+        </p:nvSpPr>
+        <p:spPr/>
+        <p:txBody>
+          <a:bodyPr/>
+          <a:lstStyle/>
+          <a:p>
+            <a:r>
+              <a:rPr lang="en-US" dirty="0" smtClean="0"/>
+              <a:t>Mimic DC Values</a:t>
+            </a:r>
+            <a:endParaRPr lang="en-US" dirty="0"/>
+          </a:p>
+        </p:txBody>
+      </p:sp>
+      <p:pic>
+        <p:nvPicPr>
+          <p:cNvPr id="1028" name="Picture 4" descr="Image result for pwm signal motor controller"/>
+          <p:cNvPicPr>
+            <a:picLocks noChangeAspect="1" noChangeArrowheads="1"/>
+          </p:cNvPicPr>
+          <p:nvPr/>
+        </p:nvPicPr>
+        <p:blipFill>
+          <a:blip r:embed="rId2">
+            <a:extLst>
+              <a:ext uri="{28A0092B-C50C-407E-A947-70E740481C1C}">
+                <a14:useLocalDpi xmlns:a14="http://schemas.microsoft.com/office/drawing/2010/main" val="0"/>
+              </a:ext>
+            </a:extLst>
+          </a:blip>
+          <a:srcRect/>
+          <a:stretch>
+            <a:fillRect/>
+          </a:stretch>
+        </p:blipFill>
+        <p:spPr bwMode="auto">
+          <a:xfrm>
+            <a:off x="917574" y="1011237"/>
+            <a:ext cx="7743825" cy="5095876"/>
+          </a:xfrm>
+          <a:prstGeom prst="rect">
+            <a:avLst/>
+          </a:prstGeom>
+          <a:noFill/>
+          <a:extLst>
+            <a:ext uri="{909E8E84-426E-40DD-AFC4-6F175D3DCCD1}">
+              <a14:hiddenFill xmlns:a14="http://schemas.microsoft.com/office/drawing/2010/main">
+                <a:solidFill>
+                  <a:srgbClr val="FFFFFF"/>
+                </a:solidFill>
+              </a14:hiddenFill>
+            </a:ext>
+          </a:extLst>
+        </p:spPr>
+      </p:pic>
+    </p:spTree>
+    <p:extLst>
+      <p:ext uri="{BB962C8B-B14F-4D97-AF65-F5344CB8AC3E}">
+        <p14:creationId xmlns:p14="http://schemas.microsoft.com/office/powerpoint/2010/main" val="2024326471"/>
+      </p:ext>
+    </p:extLst>
+  </p:cSld>
+  <p:clrMapOvr>
+    <a:masterClrMapping/>
+  </p:clrMapOvr>
+  <p:timing>
+    <p:tnLst>
+      <p:par>
+        <p:cTn id="1" dur="indefinite" restart="never" nodeType="tmRoot"/>
+      </p:par>
+    </p:tnLst>
+  </p:timing>
+</p:sld>
+</file>
+
+<file path=ppt/slides/slide47.xml><?xml version="1.0" encoding="utf-8"?>
+<p:sld xmlns:a="http://schemas.openxmlformats.org/drawingml/2006/main" xmlns:r="http://schemas.openxmlformats.org/officeDocument/2006/relationships" xmlns:p="http://schemas.openxmlformats.org/presentationml/2006/main">
+  <p:cSld>
+    <p:spTree>
+      <p:nvGrpSpPr>
+        <p:cNvPr id="1" name=""/>
+        <p:cNvGrpSpPr/>
+        <p:nvPr/>
+      </p:nvGrpSpPr>
+      <p:grpSpPr>
+        <a:xfrm>
+          <a:off x="0" y="0"/>
+          <a:ext cx="0" cy="0"/>
+          <a:chOff x="0" y="0"/>
+          <a:chExt cx="0" cy="0"/>
+        </a:xfrm>
+      </p:grpSpPr>
+      <p:sp>
+        <p:nvSpPr>
+          <p:cNvPr id="2" name="Title 1"/>
+          <p:cNvSpPr>
+            <a:spLocks noGrp="1"/>
+          </p:cNvSpPr>
+          <p:nvPr>
+            <p:ph type="title"/>
+          </p:nvPr>
+        </p:nvSpPr>
+        <p:spPr/>
+        <p:txBody>
+          <a:bodyPr/>
+          <a:lstStyle/>
+          <a:p>
+            <a:r>
+              <a:rPr lang="en-US" dirty="0" smtClean="0"/>
+              <a:t>Servos</a:t>
+            </a:r>
+            <a:endParaRPr lang="en-US" dirty="0"/>
+          </a:p>
+        </p:txBody>
+      </p:sp>
+      <p:pic>
+        <p:nvPicPr>
+          <p:cNvPr id="2050" name="Picture 2" descr="Image result for pwm signal motor controller"/>
+          <p:cNvPicPr>
+            <a:picLocks noChangeAspect="1" noChangeArrowheads="1"/>
+          </p:cNvPicPr>
+          <p:nvPr/>
+        </p:nvPicPr>
+        <p:blipFill>
+          <a:blip r:embed="rId2">
+            <a:extLst>
+              <a:ext uri="{28A0092B-C50C-407E-A947-70E740481C1C}">
+                <a14:useLocalDpi xmlns:a14="http://schemas.microsoft.com/office/drawing/2010/main" val="0"/>
+              </a:ext>
+            </a:extLst>
+          </a:blip>
+          <a:srcRect/>
+          <a:stretch>
+            <a:fillRect/>
+          </a:stretch>
+        </p:blipFill>
+        <p:spPr bwMode="auto">
+          <a:xfrm>
+            <a:off x="1470025" y="1600200"/>
+            <a:ext cx="6076950" cy="4457700"/>
+          </a:xfrm>
+          <a:prstGeom prst="rect">
+            <a:avLst/>
+          </a:prstGeom>
+          <a:noFill/>
+          <a:extLst>
+            <a:ext uri="{909E8E84-426E-40DD-AFC4-6F175D3DCCD1}">
+              <a14:hiddenFill xmlns:a14="http://schemas.microsoft.com/office/drawing/2010/main">
+                <a:solidFill>
+                  <a:srgbClr val="FFFFFF"/>
+                </a:solidFill>
+              </a14:hiddenFill>
+            </a:ext>
+          </a:extLst>
+        </p:spPr>
+      </p:pic>
+    </p:spTree>
+    <p:extLst>
+      <p:ext uri="{BB962C8B-B14F-4D97-AF65-F5344CB8AC3E}">
+        <p14:creationId xmlns:p14="http://schemas.microsoft.com/office/powerpoint/2010/main" val="1631319974"/>
+      </p:ext>
+    </p:extLst>
+  </p:cSld>
+  <p:clrMapOvr>
+    <a:masterClrMapping/>
+  </p:clrMapOvr>
+  <p:timing>
+    <p:tnLst>
+      <p:par>
+        <p:cTn id="1" dur="indefinite" restart="never" nodeType="tmRoot"/>
+      </p:par>
+    </p:tnLst>
+  </p:timing>
+</p:sld>
+</file>
+
+<file path=ppt/slides/slide48.xml><?xml version="1.0" encoding="utf-8"?>
+<p:sld xmlns:a="http://schemas.openxmlformats.org/drawingml/2006/main" xmlns:r="http://schemas.openxmlformats.org/officeDocument/2006/relationships" xmlns:p="http://schemas.openxmlformats.org/presentationml/2006/main">
+  <p:cSld>
+    <p:spTree>
+      <p:nvGrpSpPr>
+        <p:cNvPr id="1" name=""/>
+        <p:cNvGrpSpPr/>
+        <p:nvPr/>
+      </p:nvGrpSpPr>
+      <p:grpSpPr>
+        <a:xfrm>
+          <a:off x="0" y="0"/>
+          <a:ext cx="0" cy="0"/>
+          <a:chOff x="0" y="0"/>
+          <a:chExt cx="0" cy="0"/>
+        </a:xfrm>
+      </p:grpSpPr>
+      <p:sp>
+        <p:nvSpPr>
+          <p:cNvPr id="2" name="Title 1"/>
+          <p:cNvSpPr>
+            <a:spLocks noGrp="1"/>
+          </p:cNvSpPr>
+          <p:nvPr>
+            <p:ph type="title"/>
+          </p:nvPr>
+        </p:nvSpPr>
+        <p:spPr/>
+        <p:txBody>
+          <a:bodyPr/>
+          <a:lstStyle/>
+          <a:p>
+            <a:r>
+              <a:rPr lang="en-US" dirty="0" smtClean="0"/>
               <a:t>Buzzer</a:t>
             </a:r>
             <a:endParaRPr lang="en-US" dirty="0"/>
@@ -29584,7 +30638,7 @@
               <a:pPr>
                 <a:defRPr/>
               </a:pPr>
-              <a:t>43</a:t>
+              <a:t>48</a:t>
             </a:fld>
             <a:endParaRPr lang="en-US"/>
           </a:p>
@@ -29651,7 +30705,7 @@
 </p:sld>
 </file>
 
-<file path=ppt/slides/slide44.xml><?xml version="1.0" encoding="utf-8"?>
+<file path=ppt/slides/slide49.xml><?xml version="1.0" encoding="utf-8"?>
 <p:sld xmlns:a="http://schemas.openxmlformats.org/drawingml/2006/main" xmlns:r="http://schemas.openxmlformats.org/officeDocument/2006/relationships" xmlns:p="http://schemas.openxmlformats.org/presentationml/2006/main">
   <p:cSld>
     <p:spTree>
